--- a/TimeLine.pptx
+++ b/TimeLine.pptx
@@ -5,10 +5,11 @@
     <p:sldMasterId id="2147483696" r:id="rId1"/>
   </p:sldMasterIdLst>
   <p:notesMasterIdLst>
-    <p:notesMasterId r:id="rId3"/>
+    <p:notesMasterId r:id="rId4"/>
   </p:notesMasterIdLst>
   <p:sldIdLst>
-    <p:sldId id="260" r:id="rId2"/>
+    <p:sldId id="261" r:id="rId2"/>
+    <p:sldId id="260" r:id="rId3"/>
   </p:sldIdLst>
   <p:sldSz cx="12192000" cy="6858000"/>
   <p:notesSz cx="6858000" cy="9144000"/>
@@ -197,7 +198,7 @@
           <a:p>
             <a:fld id="{2B7EA0CB-F7E8-3A41-87AB-4347A827432F}" type="datetimeFigureOut">
               <a:rPr lang="en-IR" smtClean="0"/>
-              <a:t>8/24/2024 R</a:t>
+              <a:t>8/30/2024 R</a:t>
             </a:fld>
             <a:endParaRPr lang="en-IR"/>
           </a:p>
@@ -628,7 +629,7 @@
           <a:p>
             <a:fld id="{1160EA64-D806-43AC-9DF2-F8C432F32B4C}" type="datetimeFigureOut">
               <a:rPr lang="en-US" dirty="0"/>
-              <a:t>8/24/24</a:t>
+              <a:t>8/30/24</a:t>
             </a:fld>
             <a:endParaRPr lang="en-US" dirty="0"/>
           </a:p>
@@ -794,7 +795,7 @@
           <a:p>
             <a:fld id="{E9F9C37B-1D36-470B-8223-D6C91242EC14}" type="datetimeFigureOut">
               <a:rPr lang="en-US" dirty="0"/>
-              <a:t>8/24/24</a:t>
+              <a:t>8/30/24</a:t>
             </a:fld>
             <a:endParaRPr lang="en-US" dirty="0"/>
           </a:p>
@@ -969,7 +970,7 @@
           <a:p>
             <a:fld id="{67C6F52A-A82B-47A2-A83A-8C4C91F2D59F}" type="datetimeFigureOut">
               <a:rPr lang="en-US" dirty="0"/>
-              <a:t>8/24/24</a:t>
+              <a:t>8/30/24</a:t>
             </a:fld>
             <a:endParaRPr lang="en-US" dirty="0"/>
           </a:p>
@@ -1134,7 +1135,7 @@
           <a:p>
             <a:fld id="{F070A7B3-6521-4DCA-87E5-044747A908C1}" type="datetimeFigureOut">
               <a:rPr lang="en-US" dirty="0"/>
-              <a:t>8/24/24</a:t>
+              <a:t>8/30/24</a:t>
             </a:fld>
             <a:endParaRPr lang="en-US" dirty="0"/>
           </a:p>
@@ -1398,7 +1399,7 @@
           <a:p>
             <a:fld id="{1160EA64-D806-43AC-9DF2-F8C432F32B4C}" type="datetimeFigureOut">
               <a:rPr lang="en-US" dirty="0"/>
-              <a:t>8/24/24</a:t>
+              <a:t>8/30/24</a:t>
             </a:fld>
             <a:endParaRPr lang="en-US" dirty="0"/>
           </a:p>
@@ -1626,7 +1627,7 @@
           <a:p>
             <a:fld id="{AB134690-1557-4C89-A502-4959FE7FAD70}" type="datetimeFigureOut">
               <a:rPr lang="en-US" dirty="0"/>
-              <a:t>8/24/24</a:t>
+              <a:t>8/30/24</a:t>
             </a:fld>
             <a:endParaRPr lang="en-US" dirty="0"/>
           </a:p>
@@ -1980,7 +1981,7 @@
           <a:p>
             <a:fld id="{4F7D4976-E339-4826-83B7-FBD03F55ECF8}" type="datetimeFigureOut">
               <a:rPr lang="en-US" dirty="0"/>
-              <a:t>8/24/24</a:t>
+              <a:t>8/30/24</a:t>
             </a:fld>
             <a:endParaRPr lang="en-US" dirty="0"/>
           </a:p>
@@ -2116,7 +2117,7 @@
           <a:p>
             <a:fld id="{E1037C31-9E7A-4F99-8774-A0E530DE1A42}" type="datetimeFigureOut">
               <a:rPr lang="en-US" dirty="0"/>
-              <a:t>8/24/24</a:t>
+              <a:t>8/30/24</a:t>
             </a:fld>
             <a:endParaRPr lang="en-US" dirty="0"/>
           </a:p>
@@ -2206,7 +2207,7 @@
           <a:p>
             <a:fld id="{C278504F-A551-4DE0-9316-4DCD1D8CC752}" type="datetimeFigureOut">
               <a:rPr lang="en-US" dirty="0"/>
-              <a:t>8/24/24</a:t>
+              <a:t>8/30/24</a:t>
             </a:fld>
             <a:endParaRPr lang="en-US" dirty="0"/>
           </a:p>
@@ -2558,7 +2559,7 @@
           <a:p>
             <a:fld id="{D1BE4249-C0D0-4B06-8692-E8BB871AF643}" type="datetimeFigureOut">
               <a:rPr lang="en-US" dirty="0"/>
-              <a:t>8/24/24</a:t>
+              <a:t>8/30/24</a:t>
             </a:fld>
             <a:endParaRPr lang="en-US" dirty="0"/>
           </a:p>
@@ -2910,7 +2911,7 @@
           <a:p>
             <a:fld id="{042B0DB6-F5C7-45FB-8CF3-31B45F9C2DAC}" type="datetimeFigureOut">
               <a:rPr lang="en-US" dirty="0"/>
-              <a:t>8/24/24</a:t>
+              <a:t>8/30/24</a:t>
             </a:fld>
             <a:endParaRPr lang="en-US" dirty="0"/>
           </a:p>
@@ -3147,7 +3148,7 @@
           <a:p>
             <a:fld id="{1160EA64-D806-43AC-9DF2-F8C432F32B4C}" type="datetimeFigureOut">
               <a:rPr lang="en-US" dirty="0"/>
-              <a:t>8/24/24</a:t>
+              <a:t>8/30/24</a:t>
             </a:fld>
             <a:endParaRPr lang="en-US" dirty="0"/>
           </a:p>
@@ -3598,6 +3599,1245 @@
       </p:grpSpPr>
       <p:sp>
         <p:nvSpPr>
+          <p:cNvPr id="23" name="TextBox 22">
+            <a:extLst>
+              <a:ext uri="{FF2B5EF4-FFF2-40B4-BE49-F238E27FC236}">
+                <a16:creationId xmlns:a16="http://schemas.microsoft.com/office/drawing/2014/main" id="{4762C02E-6D54-8C4D-8E17-9CFCB37497CF}"/>
+              </a:ext>
+            </a:extLst>
+          </p:cNvPr>
+          <p:cNvSpPr txBox="1"/>
+          <p:nvPr/>
+        </p:nvSpPr>
+        <p:spPr>
+          <a:xfrm>
+            <a:off x="1402579" y="489071"/>
+            <a:ext cx="9473354" cy="830997"/>
+          </a:xfrm>
+          <a:prstGeom prst="rect">
+            <a:avLst/>
+          </a:prstGeom>
+          <a:noFill/>
+        </p:spPr>
+        <p:txBody>
+          <a:bodyPr wrap="square" rtlCol="0">
+            <a:spAutoFit/>
+          </a:bodyPr>
+          <a:lstStyle/>
+          <a:p>
+            <a:pPr algn="ctr"/>
+            <a:r>
+              <a:rPr lang="en-IR" sz="2400" spc="300" dirty="0">
+                <a:latin typeface="Copperplate Light" panose="02000604030000020004" pitchFamily="2" charset="77"/>
+                <a:ea typeface="Brush Script MT" panose="03060802040406070304" pitchFamily="66" charset="-122"/>
+                <a:cs typeface="Apple Chancery" panose="03020702040506060504" pitchFamily="66" charset="-79"/>
+              </a:rPr>
+              <a:t>Once Upon A Computer Science Student ...  </a:t>
+            </a:r>
+          </a:p>
+          <a:p>
+            <a:pPr algn="ctr"/>
+            <a:r>
+              <a:rPr lang="en-IR" sz="2400" spc="300" dirty="0">
+                <a:latin typeface="Copperplate Light" panose="02000604030000020004" pitchFamily="2" charset="77"/>
+                <a:ea typeface="Brush Script MT" panose="03060802040406070304" pitchFamily="66" charset="-122"/>
+                <a:cs typeface="Apple Chancery" panose="03020702040506060504" pitchFamily="66" charset="-79"/>
+              </a:rPr>
+              <a:t>	“The Tale Of A Journey”	</a:t>
+            </a:r>
+          </a:p>
+        </p:txBody>
+      </p:sp>
+      <p:sp>
+        <p:nvSpPr>
+          <p:cNvPr id="50" name="TextBox 49">
+            <a:extLst>
+              <a:ext uri="{FF2B5EF4-FFF2-40B4-BE49-F238E27FC236}">
+                <a16:creationId xmlns:a16="http://schemas.microsoft.com/office/drawing/2014/main" id="{F21B850F-92EE-3C4A-9839-3D096281C1A2}"/>
+              </a:ext>
+            </a:extLst>
+          </p:cNvPr>
+          <p:cNvSpPr txBox="1"/>
+          <p:nvPr/>
+        </p:nvSpPr>
+        <p:spPr>
+          <a:xfrm>
+            <a:off x="4875153" y="1823649"/>
+            <a:ext cx="2441694" cy="584775"/>
+          </a:xfrm>
+          <a:prstGeom prst="rect">
+            <a:avLst/>
+          </a:prstGeom>
+          <a:noFill/>
+        </p:spPr>
+        <p:txBody>
+          <a:bodyPr wrap="none" rtlCol="0">
+            <a:spAutoFit/>
+          </a:bodyPr>
+          <a:lstStyle/>
+          <a:p>
+            <a:r>
+              <a:rPr lang="en-IR" sz="3200" dirty="0"/>
+              <a:t>Iman Rahmati</a:t>
+            </a:r>
+          </a:p>
+        </p:txBody>
+      </p:sp>
+      <p:sp>
+        <p:nvSpPr>
+          <p:cNvPr id="128" name="TextBox 127">
+            <a:extLst>
+              <a:ext uri="{FF2B5EF4-FFF2-40B4-BE49-F238E27FC236}">
+                <a16:creationId xmlns:a16="http://schemas.microsoft.com/office/drawing/2014/main" id="{1EC987B6-DB28-D84B-8AFA-3F8EF602E793}"/>
+              </a:ext>
+            </a:extLst>
+          </p:cNvPr>
+          <p:cNvSpPr txBox="1"/>
+          <p:nvPr/>
+        </p:nvSpPr>
+        <p:spPr>
+          <a:xfrm>
+            <a:off x="1956194" y="4167112"/>
+            <a:ext cx="9144000" cy="369332"/>
+          </a:xfrm>
+          <a:prstGeom prst="rect">
+            <a:avLst/>
+          </a:prstGeom>
+          <a:noFill/>
+        </p:spPr>
+        <p:txBody>
+          <a:bodyPr wrap="square">
+            <a:spAutoFit/>
+          </a:bodyPr>
+          <a:lstStyle/>
+          <a:p>
+            <a:r>
+              <a:rPr lang="en-US" b="0" i="0" u="none" strike="noStrike" dirty="0">
+                <a:solidFill>
+                  <a:srgbClr val="1F1F1F"/>
+                </a:solidFill>
+                <a:effectLst/>
+                <a:latin typeface="Google Sans"/>
+              </a:rPr>
+              <a:t>Interested in applied Machine Learning in Mobile </a:t>
+            </a:r>
+            <a:r>
+              <a:rPr lang="en-US" dirty="0">
+                <a:solidFill>
+                  <a:srgbClr val="1F1F1F"/>
+                </a:solidFill>
+                <a:latin typeface="Google Sans"/>
+              </a:rPr>
+              <a:t>E</a:t>
+            </a:r>
+            <a:r>
+              <a:rPr lang="en-US" b="0" i="0" u="none" strike="noStrike" dirty="0">
+                <a:solidFill>
+                  <a:srgbClr val="1F1F1F"/>
+                </a:solidFill>
+                <a:effectLst/>
+                <a:latin typeface="Google Sans"/>
+              </a:rPr>
+              <a:t>dge </a:t>
+            </a:r>
+            <a:r>
+              <a:rPr lang="en-US" dirty="0">
+                <a:solidFill>
+                  <a:srgbClr val="1F1F1F"/>
+                </a:solidFill>
+                <a:latin typeface="Google Sans"/>
+              </a:rPr>
+              <a:t>C</a:t>
+            </a:r>
+            <a:r>
+              <a:rPr lang="en-US" b="0" i="0" u="none" strike="noStrike" dirty="0">
+                <a:solidFill>
+                  <a:srgbClr val="1F1F1F"/>
+                </a:solidFill>
+                <a:effectLst/>
+                <a:latin typeface="Google Sans"/>
+              </a:rPr>
+              <a:t>omputing Performance Optimization</a:t>
+            </a:r>
+            <a:endParaRPr lang="en-IR" dirty="0"/>
+          </a:p>
+        </p:txBody>
+      </p:sp>
+      <p:sp>
+        <p:nvSpPr>
+          <p:cNvPr id="59" name="TextBox 58">
+            <a:extLst>
+              <a:ext uri="{FF2B5EF4-FFF2-40B4-BE49-F238E27FC236}">
+                <a16:creationId xmlns:a16="http://schemas.microsoft.com/office/drawing/2014/main" id="{975E34D7-5973-DA4F-B187-56F24C8DCC6F}"/>
+              </a:ext>
+            </a:extLst>
+          </p:cNvPr>
+          <p:cNvSpPr txBox="1"/>
+          <p:nvPr/>
+        </p:nvSpPr>
+        <p:spPr>
+          <a:xfrm>
+            <a:off x="3930707" y="4554050"/>
+            <a:ext cx="4330581" cy="369332"/>
+          </a:xfrm>
+          <a:prstGeom prst="rect">
+            <a:avLst/>
+          </a:prstGeom>
+          <a:noFill/>
+        </p:spPr>
+        <p:txBody>
+          <a:bodyPr wrap="square" rtlCol="0">
+            <a:spAutoFit/>
+          </a:bodyPr>
+          <a:lstStyle/>
+          <a:p>
+            <a:r>
+              <a:rPr lang="en-US" b="0" i="0" u="none" strike="noStrike" dirty="0">
+                <a:solidFill>
+                  <a:srgbClr val="1F1F1F"/>
+                </a:solidFill>
+                <a:effectLst/>
+                <a:latin typeface="Google Sans"/>
+              </a:rPr>
+              <a:t>Fall 2025 Prospective PhD Student </a:t>
+            </a:r>
+            <a:r>
+              <a:rPr lang="en-US" dirty="0">
+                <a:solidFill>
+                  <a:srgbClr val="1F1F1F"/>
+                </a:solidFill>
+                <a:latin typeface="Google Sans"/>
+              </a:rPr>
+              <a:t>Interview</a:t>
+            </a:r>
+            <a:r>
+              <a:rPr lang="en-US" b="0" i="0" u="none" strike="noStrike" dirty="0">
+                <a:solidFill>
+                  <a:srgbClr val="1F1F1F"/>
+                </a:solidFill>
+                <a:effectLst/>
+                <a:latin typeface="Google Sans"/>
+              </a:rPr>
+              <a:t> </a:t>
+            </a:r>
+          </a:p>
+        </p:txBody>
+      </p:sp>
+      <p:sp>
+        <p:nvSpPr>
+          <p:cNvPr id="63" name="TextBox 62">
+            <a:extLst>
+              <a:ext uri="{FF2B5EF4-FFF2-40B4-BE49-F238E27FC236}">
+                <a16:creationId xmlns:a16="http://schemas.microsoft.com/office/drawing/2014/main" id="{C0EFF66A-AA6A-AE4D-96FB-12E9910E484D}"/>
+              </a:ext>
+            </a:extLst>
+          </p:cNvPr>
+          <p:cNvSpPr txBox="1"/>
+          <p:nvPr/>
+        </p:nvSpPr>
+        <p:spPr>
+          <a:xfrm>
+            <a:off x="5255382" y="5999597"/>
+            <a:ext cx="1681229" cy="369332"/>
+          </a:xfrm>
+          <a:prstGeom prst="rect">
+            <a:avLst/>
+          </a:prstGeom>
+          <a:noFill/>
+        </p:spPr>
+        <p:txBody>
+          <a:bodyPr wrap="none" rtlCol="0">
+            <a:spAutoFit/>
+          </a:bodyPr>
+          <a:lstStyle/>
+          <a:p>
+            <a:r>
+              <a:rPr lang="en-IR" dirty="0"/>
+              <a:t>August 30, 2024</a:t>
+            </a:r>
+          </a:p>
+        </p:txBody>
+      </p:sp>
+      <p:sp>
+        <p:nvSpPr>
+          <p:cNvPr id="129" name="TextBox 128">
+            <a:extLst>
+              <a:ext uri="{FF2B5EF4-FFF2-40B4-BE49-F238E27FC236}">
+                <a16:creationId xmlns:a16="http://schemas.microsoft.com/office/drawing/2014/main" id="{65BB542F-938F-A041-B14F-F6CCEBF42A70}"/>
+              </a:ext>
+            </a:extLst>
+          </p:cNvPr>
+          <p:cNvSpPr txBox="1"/>
+          <p:nvPr/>
+        </p:nvSpPr>
+        <p:spPr>
+          <a:xfrm>
+            <a:off x="4150166" y="2886356"/>
+            <a:ext cx="4057800" cy="369332"/>
+          </a:xfrm>
+          <a:prstGeom prst="rect">
+            <a:avLst/>
+          </a:prstGeom>
+          <a:noFill/>
+        </p:spPr>
+        <p:txBody>
+          <a:bodyPr wrap="square">
+            <a:spAutoFit/>
+          </a:bodyPr>
+          <a:lstStyle/>
+          <a:p>
+            <a:r>
+              <a:rPr lang="en-IR" dirty="0"/>
+              <a:t>MSc. Computer Engineering/Networking</a:t>
+            </a:r>
+          </a:p>
+        </p:txBody>
+      </p:sp>
+      <p:sp>
+        <p:nvSpPr>
+          <p:cNvPr id="138" name="TextBox 137">
+            <a:extLst>
+              <a:ext uri="{FF2B5EF4-FFF2-40B4-BE49-F238E27FC236}">
+                <a16:creationId xmlns:a16="http://schemas.microsoft.com/office/drawing/2014/main" id="{D0472A27-D6A9-EC47-AB3D-61341BC1EBD9}"/>
+              </a:ext>
+            </a:extLst>
+          </p:cNvPr>
+          <p:cNvSpPr txBox="1"/>
+          <p:nvPr/>
+        </p:nvSpPr>
+        <p:spPr>
+          <a:xfrm>
+            <a:off x="4045165" y="3245573"/>
+            <a:ext cx="4394590" cy="369332"/>
+          </a:xfrm>
+          <a:prstGeom prst="rect">
+            <a:avLst/>
+          </a:prstGeom>
+          <a:noFill/>
+        </p:spPr>
+        <p:txBody>
+          <a:bodyPr wrap="square">
+            <a:spAutoFit/>
+          </a:bodyPr>
+          <a:lstStyle/>
+          <a:p>
+            <a:r>
+              <a:rPr lang="en-IR" dirty="0"/>
+              <a:t>Sharif University of Technology, Tehran, Iran </a:t>
+            </a:r>
+          </a:p>
+        </p:txBody>
+      </p:sp>
+      <p:grpSp>
+        <p:nvGrpSpPr>
+          <p:cNvPr id="139" name="Group 138">
+            <a:extLst>
+              <a:ext uri="{FF2B5EF4-FFF2-40B4-BE49-F238E27FC236}">
+                <a16:creationId xmlns:a16="http://schemas.microsoft.com/office/drawing/2014/main" id="{5BFD4B19-9FFC-3E41-A8AA-8162C1734569}"/>
+              </a:ext>
+            </a:extLst>
+          </p:cNvPr>
+          <p:cNvGrpSpPr/>
+          <p:nvPr/>
+        </p:nvGrpSpPr>
+        <p:grpSpPr>
+          <a:xfrm>
+            <a:off x="4818003" y="2464261"/>
+            <a:ext cx="2556000" cy="72000"/>
+            <a:chOff x="170178" y="1084038"/>
+            <a:chExt cx="1861814" cy="73428"/>
+          </a:xfrm>
+        </p:grpSpPr>
+        <p:sp>
+          <p:nvSpPr>
+            <p:cNvPr id="140" name="Rounded Rectangle 139">
+              <a:extLst>
+                <a:ext uri="{FF2B5EF4-FFF2-40B4-BE49-F238E27FC236}">
+                  <a16:creationId xmlns:a16="http://schemas.microsoft.com/office/drawing/2014/main" id="{E96BB6E9-06A6-6C41-B0B6-D5DC3D8E82DB}"/>
+                </a:ext>
+              </a:extLst>
+            </p:cNvPr>
+            <p:cNvSpPr/>
+            <p:nvPr/>
+          </p:nvSpPr>
+          <p:spPr>
+            <a:xfrm>
+              <a:off x="170178" y="1084048"/>
+              <a:ext cx="360000" cy="72000"/>
+            </a:xfrm>
+            <a:prstGeom prst="roundRect">
+              <a:avLst>
+                <a:gd name="adj" fmla="val 50000"/>
+              </a:avLst>
+            </a:prstGeom>
+            <a:solidFill>
+              <a:srgbClr val="8CA3BD"/>
+            </a:solidFill>
+            <a:ln>
+              <a:noFill/>
+            </a:ln>
+          </p:spPr>
+          <p:style>
+            <a:lnRef idx="2">
+              <a:schemeClr val="accent1">
+                <a:shade val="50000"/>
+              </a:schemeClr>
+            </a:lnRef>
+            <a:fillRef idx="1">
+              <a:schemeClr val="accent1"/>
+            </a:fillRef>
+            <a:effectRef idx="0">
+              <a:schemeClr val="accent1"/>
+            </a:effectRef>
+            <a:fontRef idx="minor">
+              <a:schemeClr val="lt1"/>
+            </a:fontRef>
+          </p:style>
+          <p:txBody>
+            <a:bodyPr lIns="90000" rtlCol="0" anchor="ctr"/>
+            <a:lstStyle/>
+            <a:p>
+              <a:r>
+                <a:rPr lang="en-IR" dirty="0">
+                  <a:latin typeface="X Davat" panose="02000400000000000000" pitchFamily="2" charset="-78"/>
+                  <a:cs typeface="X Davat" panose="02000400000000000000" pitchFamily="2" charset="-78"/>
+                </a:rPr>
+                <a:t>   </a:t>
+              </a:r>
+            </a:p>
+          </p:txBody>
+        </p:sp>
+        <p:sp>
+          <p:nvSpPr>
+            <p:cNvPr id="141" name="Rounded Rectangle 140">
+              <a:extLst>
+                <a:ext uri="{FF2B5EF4-FFF2-40B4-BE49-F238E27FC236}">
+                  <a16:creationId xmlns:a16="http://schemas.microsoft.com/office/drawing/2014/main" id="{03594B3F-C1B2-EA4B-946B-CE8BBF55520B}"/>
+                </a:ext>
+              </a:extLst>
+            </p:cNvPr>
+            <p:cNvSpPr/>
+            <p:nvPr/>
+          </p:nvSpPr>
+          <p:spPr>
+            <a:xfrm>
+              <a:off x="380002" y="1084043"/>
+              <a:ext cx="360000" cy="72000"/>
+            </a:xfrm>
+            <a:prstGeom prst="roundRect">
+              <a:avLst>
+                <a:gd name="adj" fmla="val 50000"/>
+              </a:avLst>
+            </a:prstGeom>
+            <a:solidFill>
+              <a:srgbClr val="C7B8AA"/>
+            </a:solidFill>
+            <a:ln>
+              <a:noFill/>
+            </a:ln>
+          </p:spPr>
+          <p:style>
+            <a:lnRef idx="2">
+              <a:schemeClr val="accent1">
+                <a:shade val="50000"/>
+              </a:schemeClr>
+            </a:lnRef>
+            <a:fillRef idx="1">
+              <a:schemeClr val="accent1"/>
+            </a:fillRef>
+            <a:effectRef idx="0">
+              <a:schemeClr val="accent1"/>
+            </a:effectRef>
+            <a:fontRef idx="minor">
+              <a:schemeClr val="lt1"/>
+            </a:fontRef>
+          </p:style>
+          <p:txBody>
+            <a:bodyPr lIns="90000" rtlCol="0" anchor="ctr"/>
+            <a:lstStyle/>
+            <a:p>
+              <a:r>
+                <a:rPr lang="en-IR" dirty="0">
+                  <a:latin typeface="X Davat" panose="02000400000000000000" pitchFamily="2" charset="-78"/>
+                  <a:cs typeface="X Davat" panose="02000400000000000000" pitchFamily="2" charset="-78"/>
+                </a:rPr>
+                <a:t>   </a:t>
+              </a:r>
+            </a:p>
+          </p:txBody>
+        </p:sp>
+        <p:sp>
+          <p:nvSpPr>
+            <p:cNvPr id="142" name="Rounded Rectangle 141">
+              <a:extLst>
+                <a:ext uri="{FF2B5EF4-FFF2-40B4-BE49-F238E27FC236}">
+                  <a16:creationId xmlns:a16="http://schemas.microsoft.com/office/drawing/2014/main" id="{76D8E756-0793-714C-A1CA-EB734A023EAC}"/>
+                </a:ext>
+              </a:extLst>
+            </p:cNvPr>
+            <p:cNvSpPr/>
+            <p:nvPr/>
+          </p:nvSpPr>
+          <p:spPr>
+            <a:xfrm>
+              <a:off x="636097" y="1084038"/>
+              <a:ext cx="360000" cy="72000"/>
+            </a:xfrm>
+            <a:prstGeom prst="roundRect">
+              <a:avLst>
+                <a:gd name="adj" fmla="val 50000"/>
+              </a:avLst>
+            </a:prstGeom>
+            <a:solidFill>
+              <a:srgbClr val="876F57"/>
+            </a:solidFill>
+            <a:ln>
+              <a:noFill/>
+            </a:ln>
+          </p:spPr>
+          <p:style>
+            <a:lnRef idx="2">
+              <a:schemeClr val="accent1">
+                <a:shade val="50000"/>
+              </a:schemeClr>
+            </a:lnRef>
+            <a:fillRef idx="1">
+              <a:schemeClr val="accent1"/>
+            </a:fillRef>
+            <a:effectRef idx="0">
+              <a:schemeClr val="accent1"/>
+            </a:effectRef>
+            <a:fontRef idx="minor">
+              <a:schemeClr val="lt1"/>
+            </a:fontRef>
+          </p:style>
+          <p:txBody>
+            <a:bodyPr lIns="90000" rtlCol="0" anchor="ctr"/>
+            <a:lstStyle/>
+            <a:p>
+              <a:r>
+                <a:rPr lang="en-IR" dirty="0"/>
+                <a:t>   </a:t>
+              </a:r>
+              <a:endParaRPr lang="en-IR" dirty="0">
+                <a:latin typeface="X Davat" panose="02000400000000000000" pitchFamily="2" charset="-78"/>
+                <a:cs typeface="X Davat" panose="02000400000000000000" pitchFamily="2" charset="-78"/>
+              </a:endParaRPr>
+            </a:p>
+          </p:txBody>
+        </p:sp>
+        <p:sp>
+          <p:nvSpPr>
+            <p:cNvPr id="143" name="Rounded Rectangle 142">
+              <a:extLst>
+                <a:ext uri="{FF2B5EF4-FFF2-40B4-BE49-F238E27FC236}">
+                  <a16:creationId xmlns:a16="http://schemas.microsoft.com/office/drawing/2014/main" id="{CAA39285-92E7-9347-9FB6-E75AD233B5D8}"/>
+                </a:ext>
+              </a:extLst>
+            </p:cNvPr>
+            <p:cNvSpPr/>
+            <p:nvPr/>
+          </p:nvSpPr>
+          <p:spPr>
+            <a:xfrm>
+              <a:off x="904682" y="1084038"/>
+              <a:ext cx="360000" cy="72000"/>
+            </a:xfrm>
+            <a:prstGeom prst="roundRect">
+              <a:avLst>
+                <a:gd name="adj" fmla="val 50000"/>
+              </a:avLst>
+            </a:prstGeom>
+            <a:solidFill>
+              <a:srgbClr val="264F72"/>
+            </a:solidFill>
+            <a:ln>
+              <a:noFill/>
+            </a:ln>
+          </p:spPr>
+          <p:style>
+            <a:lnRef idx="2">
+              <a:schemeClr val="accent1">
+                <a:shade val="50000"/>
+              </a:schemeClr>
+            </a:lnRef>
+            <a:fillRef idx="1">
+              <a:schemeClr val="accent1"/>
+            </a:fillRef>
+            <a:effectRef idx="0">
+              <a:schemeClr val="accent1"/>
+            </a:effectRef>
+            <a:fontRef idx="minor">
+              <a:schemeClr val="lt1"/>
+            </a:fontRef>
+          </p:style>
+          <p:txBody>
+            <a:bodyPr lIns="90000" rtlCol="0" anchor="ctr"/>
+            <a:lstStyle/>
+            <a:p>
+              <a:r>
+                <a:rPr lang="en-IR" dirty="0"/>
+                <a:t>   </a:t>
+              </a:r>
+              <a:endParaRPr lang="en-IR" dirty="0">
+                <a:latin typeface="X Davat" panose="02000400000000000000" pitchFamily="2" charset="-78"/>
+                <a:cs typeface="X Davat" panose="02000400000000000000" pitchFamily="2" charset="-78"/>
+              </a:endParaRPr>
+            </a:p>
+          </p:txBody>
+        </p:sp>
+        <p:sp>
+          <p:nvSpPr>
+            <p:cNvPr id="144" name="Rounded Rectangle 143">
+              <a:extLst>
+                <a:ext uri="{FF2B5EF4-FFF2-40B4-BE49-F238E27FC236}">
+                  <a16:creationId xmlns:a16="http://schemas.microsoft.com/office/drawing/2014/main" id="{C35D3C9A-115E-A64F-93B0-17E675A4A091}"/>
+                </a:ext>
+              </a:extLst>
+            </p:cNvPr>
+            <p:cNvSpPr/>
+            <p:nvPr/>
+          </p:nvSpPr>
+          <p:spPr>
+            <a:xfrm>
+              <a:off x="1160777" y="1084038"/>
+              <a:ext cx="360000" cy="72000"/>
+            </a:xfrm>
+            <a:prstGeom prst="roundRect">
+              <a:avLst>
+                <a:gd name="adj" fmla="val 50000"/>
+              </a:avLst>
+            </a:prstGeom>
+            <a:solidFill>
+              <a:srgbClr val="838E6C"/>
+            </a:solidFill>
+            <a:ln>
+              <a:noFill/>
+            </a:ln>
+          </p:spPr>
+          <p:style>
+            <a:lnRef idx="2">
+              <a:schemeClr val="accent1">
+                <a:shade val="50000"/>
+              </a:schemeClr>
+            </a:lnRef>
+            <a:fillRef idx="1">
+              <a:schemeClr val="accent1"/>
+            </a:fillRef>
+            <a:effectRef idx="0">
+              <a:schemeClr val="accent1"/>
+            </a:effectRef>
+            <a:fontRef idx="minor">
+              <a:schemeClr val="lt1"/>
+            </a:fontRef>
+          </p:style>
+          <p:txBody>
+            <a:bodyPr lIns="90000" rtlCol="0" anchor="ctr"/>
+            <a:lstStyle/>
+            <a:p>
+              <a:r>
+                <a:rPr lang="en-IR" dirty="0"/>
+                <a:t>   </a:t>
+              </a:r>
+              <a:endParaRPr lang="en-IR" dirty="0">
+                <a:latin typeface="X Davat" panose="02000400000000000000" pitchFamily="2" charset="-78"/>
+                <a:cs typeface="X Davat" panose="02000400000000000000" pitchFamily="2" charset="-78"/>
+              </a:endParaRPr>
+            </a:p>
+          </p:txBody>
+        </p:sp>
+        <p:sp>
+          <p:nvSpPr>
+            <p:cNvPr id="145" name="Rounded Rectangle 144">
+              <a:extLst>
+                <a:ext uri="{FF2B5EF4-FFF2-40B4-BE49-F238E27FC236}">
+                  <a16:creationId xmlns:a16="http://schemas.microsoft.com/office/drawing/2014/main" id="{4526CEE4-9171-1044-96CC-6C3120BA5906}"/>
+                </a:ext>
+              </a:extLst>
+            </p:cNvPr>
+            <p:cNvSpPr/>
+            <p:nvPr/>
+          </p:nvSpPr>
+          <p:spPr>
+            <a:xfrm>
+              <a:off x="1415897" y="1084038"/>
+              <a:ext cx="360000" cy="72000"/>
+            </a:xfrm>
+            <a:prstGeom prst="roundRect">
+              <a:avLst>
+                <a:gd name="adj" fmla="val 50000"/>
+              </a:avLst>
+            </a:prstGeom>
+            <a:solidFill>
+              <a:srgbClr val="5FADCD"/>
+            </a:solidFill>
+            <a:ln>
+              <a:noFill/>
+            </a:ln>
+          </p:spPr>
+          <p:style>
+            <a:lnRef idx="2">
+              <a:schemeClr val="accent1">
+                <a:shade val="50000"/>
+              </a:schemeClr>
+            </a:lnRef>
+            <a:fillRef idx="1">
+              <a:schemeClr val="accent1"/>
+            </a:fillRef>
+            <a:effectRef idx="0">
+              <a:schemeClr val="accent1"/>
+            </a:effectRef>
+            <a:fontRef idx="minor">
+              <a:schemeClr val="lt1"/>
+            </a:fontRef>
+          </p:style>
+          <p:txBody>
+            <a:bodyPr lIns="90000" rtlCol="0" anchor="ctr"/>
+            <a:lstStyle/>
+            <a:p>
+              <a:r>
+                <a:rPr lang="en-IR" dirty="0"/>
+                <a:t>   </a:t>
+              </a:r>
+              <a:endParaRPr lang="en-IR" dirty="0">
+                <a:latin typeface="X Davat" panose="02000400000000000000" pitchFamily="2" charset="-78"/>
+                <a:cs typeface="X Davat" panose="02000400000000000000" pitchFamily="2" charset="-78"/>
+              </a:endParaRPr>
+            </a:p>
+          </p:txBody>
+        </p:sp>
+        <p:sp>
+          <p:nvSpPr>
+            <p:cNvPr id="146" name="Rounded Rectangle 145">
+              <a:extLst>
+                <a:ext uri="{FF2B5EF4-FFF2-40B4-BE49-F238E27FC236}">
+                  <a16:creationId xmlns:a16="http://schemas.microsoft.com/office/drawing/2014/main" id="{01F48003-0CE8-CD48-85DD-A4266DDCEBF4}"/>
+                </a:ext>
+              </a:extLst>
+            </p:cNvPr>
+            <p:cNvSpPr/>
+            <p:nvPr/>
+          </p:nvSpPr>
+          <p:spPr>
+            <a:xfrm>
+              <a:off x="1671992" y="1084038"/>
+              <a:ext cx="360000" cy="73428"/>
+            </a:xfrm>
+            <a:prstGeom prst="roundRect">
+              <a:avLst>
+                <a:gd name="adj" fmla="val 50000"/>
+              </a:avLst>
+            </a:prstGeom>
+            <a:solidFill>
+              <a:srgbClr val="5190A1"/>
+            </a:solidFill>
+            <a:ln>
+              <a:noFill/>
+            </a:ln>
+          </p:spPr>
+          <p:style>
+            <a:lnRef idx="2">
+              <a:schemeClr val="accent1">
+                <a:shade val="50000"/>
+              </a:schemeClr>
+            </a:lnRef>
+            <a:fillRef idx="1">
+              <a:schemeClr val="accent1"/>
+            </a:fillRef>
+            <a:effectRef idx="0">
+              <a:schemeClr val="accent1"/>
+            </a:effectRef>
+            <a:fontRef idx="minor">
+              <a:schemeClr val="lt1"/>
+            </a:fontRef>
+          </p:style>
+          <p:txBody>
+            <a:bodyPr lIns="90000" rtlCol="0" anchor="ctr"/>
+            <a:lstStyle/>
+            <a:p>
+              <a:r>
+                <a:rPr lang="en-IR" dirty="0"/>
+                <a:t>   </a:t>
+              </a:r>
+              <a:endParaRPr lang="en-IR" dirty="0">
+                <a:latin typeface="X Davat" panose="02000400000000000000" pitchFamily="2" charset="-78"/>
+                <a:cs typeface="X Davat" panose="02000400000000000000" pitchFamily="2" charset="-78"/>
+              </a:endParaRPr>
+            </a:p>
+          </p:txBody>
+        </p:sp>
+      </p:grpSp>
+      <p:grpSp>
+        <p:nvGrpSpPr>
+          <p:cNvPr id="147" name="Group 146">
+            <a:extLst>
+              <a:ext uri="{FF2B5EF4-FFF2-40B4-BE49-F238E27FC236}">
+                <a16:creationId xmlns:a16="http://schemas.microsoft.com/office/drawing/2014/main" id="{5E3CCD43-537B-564C-A9CB-DB424F9A1C94}"/>
+              </a:ext>
+            </a:extLst>
+          </p:cNvPr>
+          <p:cNvGrpSpPr/>
+          <p:nvPr/>
+        </p:nvGrpSpPr>
+        <p:grpSpPr>
+          <a:xfrm>
+            <a:off x="3981951" y="3754259"/>
+            <a:ext cx="4392000" cy="72000"/>
+            <a:chOff x="170178" y="1084038"/>
+            <a:chExt cx="1861814" cy="73428"/>
+          </a:xfrm>
+        </p:grpSpPr>
+        <p:sp>
+          <p:nvSpPr>
+            <p:cNvPr id="148" name="Rounded Rectangle 147">
+              <a:extLst>
+                <a:ext uri="{FF2B5EF4-FFF2-40B4-BE49-F238E27FC236}">
+                  <a16:creationId xmlns:a16="http://schemas.microsoft.com/office/drawing/2014/main" id="{AA01B49B-9272-DC45-A51D-71B2BB01DFF9}"/>
+                </a:ext>
+              </a:extLst>
+            </p:cNvPr>
+            <p:cNvSpPr/>
+            <p:nvPr/>
+          </p:nvSpPr>
+          <p:spPr>
+            <a:xfrm>
+              <a:off x="170178" y="1084048"/>
+              <a:ext cx="360000" cy="72000"/>
+            </a:xfrm>
+            <a:prstGeom prst="roundRect">
+              <a:avLst>
+                <a:gd name="adj" fmla="val 50000"/>
+              </a:avLst>
+            </a:prstGeom>
+            <a:solidFill>
+              <a:srgbClr val="8CA3BD"/>
+            </a:solidFill>
+            <a:ln>
+              <a:noFill/>
+            </a:ln>
+          </p:spPr>
+          <p:style>
+            <a:lnRef idx="2">
+              <a:schemeClr val="accent1">
+                <a:shade val="50000"/>
+              </a:schemeClr>
+            </a:lnRef>
+            <a:fillRef idx="1">
+              <a:schemeClr val="accent1"/>
+            </a:fillRef>
+            <a:effectRef idx="0">
+              <a:schemeClr val="accent1"/>
+            </a:effectRef>
+            <a:fontRef idx="minor">
+              <a:schemeClr val="lt1"/>
+            </a:fontRef>
+          </p:style>
+          <p:txBody>
+            <a:bodyPr lIns="90000" rtlCol="0" anchor="ctr"/>
+            <a:lstStyle/>
+            <a:p>
+              <a:r>
+                <a:rPr lang="en-IR" dirty="0">
+                  <a:latin typeface="X Davat" panose="02000400000000000000" pitchFamily="2" charset="-78"/>
+                  <a:cs typeface="X Davat" panose="02000400000000000000" pitchFamily="2" charset="-78"/>
+                </a:rPr>
+                <a:t>   </a:t>
+              </a:r>
+            </a:p>
+          </p:txBody>
+        </p:sp>
+        <p:sp>
+          <p:nvSpPr>
+            <p:cNvPr id="149" name="Rounded Rectangle 148">
+              <a:extLst>
+                <a:ext uri="{FF2B5EF4-FFF2-40B4-BE49-F238E27FC236}">
+                  <a16:creationId xmlns:a16="http://schemas.microsoft.com/office/drawing/2014/main" id="{4ABB06D4-4DC0-4740-B9F5-B2EADB672B98}"/>
+                </a:ext>
+              </a:extLst>
+            </p:cNvPr>
+            <p:cNvSpPr/>
+            <p:nvPr/>
+          </p:nvSpPr>
+          <p:spPr>
+            <a:xfrm>
+              <a:off x="380002" y="1084043"/>
+              <a:ext cx="360000" cy="72000"/>
+            </a:xfrm>
+            <a:prstGeom prst="roundRect">
+              <a:avLst>
+                <a:gd name="adj" fmla="val 50000"/>
+              </a:avLst>
+            </a:prstGeom>
+            <a:solidFill>
+              <a:srgbClr val="C7B8AA"/>
+            </a:solidFill>
+            <a:ln>
+              <a:noFill/>
+            </a:ln>
+          </p:spPr>
+          <p:style>
+            <a:lnRef idx="2">
+              <a:schemeClr val="accent1">
+                <a:shade val="50000"/>
+              </a:schemeClr>
+            </a:lnRef>
+            <a:fillRef idx="1">
+              <a:schemeClr val="accent1"/>
+            </a:fillRef>
+            <a:effectRef idx="0">
+              <a:schemeClr val="accent1"/>
+            </a:effectRef>
+            <a:fontRef idx="minor">
+              <a:schemeClr val="lt1"/>
+            </a:fontRef>
+          </p:style>
+          <p:txBody>
+            <a:bodyPr lIns="90000" rtlCol="0" anchor="ctr"/>
+            <a:lstStyle/>
+            <a:p>
+              <a:r>
+                <a:rPr lang="en-IR" dirty="0">
+                  <a:latin typeface="X Davat" panose="02000400000000000000" pitchFamily="2" charset="-78"/>
+                  <a:cs typeface="X Davat" panose="02000400000000000000" pitchFamily="2" charset="-78"/>
+                </a:rPr>
+                <a:t>   </a:t>
+              </a:r>
+            </a:p>
+          </p:txBody>
+        </p:sp>
+        <p:sp>
+          <p:nvSpPr>
+            <p:cNvPr id="150" name="Rounded Rectangle 149">
+              <a:extLst>
+                <a:ext uri="{FF2B5EF4-FFF2-40B4-BE49-F238E27FC236}">
+                  <a16:creationId xmlns:a16="http://schemas.microsoft.com/office/drawing/2014/main" id="{4AF8351B-5886-B144-84B5-F07B9FC73FCE}"/>
+                </a:ext>
+              </a:extLst>
+            </p:cNvPr>
+            <p:cNvSpPr/>
+            <p:nvPr/>
+          </p:nvSpPr>
+          <p:spPr>
+            <a:xfrm>
+              <a:off x="636097" y="1084038"/>
+              <a:ext cx="360000" cy="72000"/>
+            </a:xfrm>
+            <a:prstGeom prst="roundRect">
+              <a:avLst>
+                <a:gd name="adj" fmla="val 50000"/>
+              </a:avLst>
+            </a:prstGeom>
+            <a:solidFill>
+              <a:srgbClr val="876F57"/>
+            </a:solidFill>
+            <a:ln>
+              <a:noFill/>
+            </a:ln>
+          </p:spPr>
+          <p:style>
+            <a:lnRef idx="2">
+              <a:schemeClr val="accent1">
+                <a:shade val="50000"/>
+              </a:schemeClr>
+            </a:lnRef>
+            <a:fillRef idx="1">
+              <a:schemeClr val="accent1"/>
+            </a:fillRef>
+            <a:effectRef idx="0">
+              <a:schemeClr val="accent1"/>
+            </a:effectRef>
+            <a:fontRef idx="minor">
+              <a:schemeClr val="lt1"/>
+            </a:fontRef>
+          </p:style>
+          <p:txBody>
+            <a:bodyPr lIns="90000" rtlCol="0" anchor="ctr"/>
+            <a:lstStyle/>
+            <a:p>
+              <a:r>
+                <a:rPr lang="en-IR" dirty="0"/>
+                <a:t>   </a:t>
+              </a:r>
+              <a:endParaRPr lang="en-IR" dirty="0">
+                <a:latin typeface="X Davat" panose="02000400000000000000" pitchFamily="2" charset="-78"/>
+                <a:cs typeface="X Davat" panose="02000400000000000000" pitchFamily="2" charset="-78"/>
+              </a:endParaRPr>
+            </a:p>
+          </p:txBody>
+        </p:sp>
+        <p:sp>
+          <p:nvSpPr>
+            <p:cNvPr id="151" name="Rounded Rectangle 150">
+              <a:extLst>
+                <a:ext uri="{FF2B5EF4-FFF2-40B4-BE49-F238E27FC236}">
+                  <a16:creationId xmlns:a16="http://schemas.microsoft.com/office/drawing/2014/main" id="{D1491A10-8C7B-1946-9304-681974D0C276}"/>
+                </a:ext>
+              </a:extLst>
+            </p:cNvPr>
+            <p:cNvSpPr/>
+            <p:nvPr/>
+          </p:nvSpPr>
+          <p:spPr>
+            <a:xfrm>
+              <a:off x="904682" y="1084038"/>
+              <a:ext cx="360000" cy="72000"/>
+            </a:xfrm>
+            <a:prstGeom prst="roundRect">
+              <a:avLst>
+                <a:gd name="adj" fmla="val 50000"/>
+              </a:avLst>
+            </a:prstGeom>
+            <a:solidFill>
+              <a:srgbClr val="264F72"/>
+            </a:solidFill>
+            <a:ln>
+              <a:noFill/>
+            </a:ln>
+          </p:spPr>
+          <p:style>
+            <a:lnRef idx="2">
+              <a:schemeClr val="accent1">
+                <a:shade val="50000"/>
+              </a:schemeClr>
+            </a:lnRef>
+            <a:fillRef idx="1">
+              <a:schemeClr val="accent1"/>
+            </a:fillRef>
+            <a:effectRef idx="0">
+              <a:schemeClr val="accent1"/>
+            </a:effectRef>
+            <a:fontRef idx="minor">
+              <a:schemeClr val="lt1"/>
+            </a:fontRef>
+          </p:style>
+          <p:txBody>
+            <a:bodyPr lIns="90000" rtlCol="0" anchor="ctr"/>
+            <a:lstStyle/>
+            <a:p>
+              <a:r>
+                <a:rPr lang="en-IR" dirty="0"/>
+                <a:t>   </a:t>
+              </a:r>
+              <a:endParaRPr lang="en-IR" dirty="0">
+                <a:latin typeface="X Davat" panose="02000400000000000000" pitchFamily="2" charset="-78"/>
+                <a:cs typeface="X Davat" panose="02000400000000000000" pitchFamily="2" charset="-78"/>
+              </a:endParaRPr>
+            </a:p>
+          </p:txBody>
+        </p:sp>
+        <p:sp>
+          <p:nvSpPr>
+            <p:cNvPr id="152" name="Rounded Rectangle 151">
+              <a:extLst>
+                <a:ext uri="{FF2B5EF4-FFF2-40B4-BE49-F238E27FC236}">
+                  <a16:creationId xmlns:a16="http://schemas.microsoft.com/office/drawing/2014/main" id="{B5CAF6C6-208D-4F43-AD61-AA41BBCF75E4}"/>
+                </a:ext>
+              </a:extLst>
+            </p:cNvPr>
+            <p:cNvSpPr/>
+            <p:nvPr/>
+          </p:nvSpPr>
+          <p:spPr>
+            <a:xfrm>
+              <a:off x="1160777" y="1084038"/>
+              <a:ext cx="360000" cy="72000"/>
+            </a:xfrm>
+            <a:prstGeom prst="roundRect">
+              <a:avLst>
+                <a:gd name="adj" fmla="val 50000"/>
+              </a:avLst>
+            </a:prstGeom>
+            <a:solidFill>
+              <a:srgbClr val="838E6C"/>
+            </a:solidFill>
+            <a:ln>
+              <a:noFill/>
+            </a:ln>
+          </p:spPr>
+          <p:style>
+            <a:lnRef idx="2">
+              <a:schemeClr val="accent1">
+                <a:shade val="50000"/>
+              </a:schemeClr>
+            </a:lnRef>
+            <a:fillRef idx="1">
+              <a:schemeClr val="accent1"/>
+            </a:fillRef>
+            <a:effectRef idx="0">
+              <a:schemeClr val="accent1"/>
+            </a:effectRef>
+            <a:fontRef idx="minor">
+              <a:schemeClr val="lt1"/>
+            </a:fontRef>
+          </p:style>
+          <p:txBody>
+            <a:bodyPr lIns="90000" rtlCol="0" anchor="ctr"/>
+            <a:lstStyle/>
+            <a:p>
+              <a:r>
+                <a:rPr lang="en-IR" dirty="0"/>
+                <a:t>   </a:t>
+              </a:r>
+              <a:endParaRPr lang="en-IR" dirty="0">
+                <a:latin typeface="X Davat" panose="02000400000000000000" pitchFamily="2" charset="-78"/>
+                <a:cs typeface="X Davat" panose="02000400000000000000" pitchFamily="2" charset="-78"/>
+              </a:endParaRPr>
+            </a:p>
+          </p:txBody>
+        </p:sp>
+        <p:sp>
+          <p:nvSpPr>
+            <p:cNvPr id="153" name="Rounded Rectangle 152">
+              <a:extLst>
+                <a:ext uri="{FF2B5EF4-FFF2-40B4-BE49-F238E27FC236}">
+                  <a16:creationId xmlns:a16="http://schemas.microsoft.com/office/drawing/2014/main" id="{38B67711-8990-7B44-83B4-4E493AF4DF86}"/>
+                </a:ext>
+              </a:extLst>
+            </p:cNvPr>
+            <p:cNvSpPr/>
+            <p:nvPr/>
+          </p:nvSpPr>
+          <p:spPr>
+            <a:xfrm>
+              <a:off x="1415897" y="1084038"/>
+              <a:ext cx="360000" cy="72000"/>
+            </a:xfrm>
+            <a:prstGeom prst="roundRect">
+              <a:avLst>
+                <a:gd name="adj" fmla="val 50000"/>
+              </a:avLst>
+            </a:prstGeom>
+            <a:solidFill>
+              <a:srgbClr val="5FADCD"/>
+            </a:solidFill>
+            <a:ln>
+              <a:noFill/>
+            </a:ln>
+          </p:spPr>
+          <p:style>
+            <a:lnRef idx="2">
+              <a:schemeClr val="accent1">
+                <a:shade val="50000"/>
+              </a:schemeClr>
+            </a:lnRef>
+            <a:fillRef idx="1">
+              <a:schemeClr val="accent1"/>
+            </a:fillRef>
+            <a:effectRef idx="0">
+              <a:schemeClr val="accent1"/>
+            </a:effectRef>
+            <a:fontRef idx="minor">
+              <a:schemeClr val="lt1"/>
+            </a:fontRef>
+          </p:style>
+          <p:txBody>
+            <a:bodyPr lIns="90000" rtlCol="0" anchor="ctr"/>
+            <a:lstStyle/>
+            <a:p>
+              <a:r>
+                <a:rPr lang="en-IR" dirty="0"/>
+                <a:t>   </a:t>
+              </a:r>
+              <a:endParaRPr lang="en-IR" dirty="0">
+                <a:latin typeface="X Davat" panose="02000400000000000000" pitchFamily="2" charset="-78"/>
+                <a:cs typeface="X Davat" panose="02000400000000000000" pitchFamily="2" charset="-78"/>
+              </a:endParaRPr>
+            </a:p>
+          </p:txBody>
+        </p:sp>
+        <p:sp>
+          <p:nvSpPr>
+            <p:cNvPr id="154" name="Rounded Rectangle 153">
+              <a:extLst>
+                <a:ext uri="{FF2B5EF4-FFF2-40B4-BE49-F238E27FC236}">
+                  <a16:creationId xmlns:a16="http://schemas.microsoft.com/office/drawing/2014/main" id="{244466D3-D30B-A941-A51A-AE7A8FBF4BCB}"/>
+                </a:ext>
+              </a:extLst>
+            </p:cNvPr>
+            <p:cNvSpPr/>
+            <p:nvPr/>
+          </p:nvSpPr>
+          <p:spPr>
+            <a:xfrm>
+              <a:off x="1671992" y="1084038"/>
+              <a:ext cx="360000" cy="73428"/>
+            </a:xfrm>
+            <a:prstGeom prst="roundRect">
+              <a:avLst>
+                <a:gd name="adj" fmla="val 50000"/>
+              </a:avLst>
+            </a:prstGeom>
+            <a:solidFill>
+              <a:srgbClr val="5190A1"/>
+            </a:solidFill>
+            <a:ln>
+              <a:noFill/>
+            </a:ln>
+          </p:spPr>
+          <p:style>
+            <a:lnRef idx="2">
+              <a:schemeClr val="accent1">
+                <a:shade val="50000"/>
+              </a:schemeClr>
+            </a:lnRef>
+            <a:fillRef idx="1">
+              <a:schemeClr val="accent1"/>
+            </a:fillRef>
+            <a:effectRef idx="0">
+              <a:schemeClr val="accent1"/>
+            </a:effectRef>
+            <a:fontRef idx="minor">
+              <a:schemeClr val="lt1"/>
+            </a:fontRef>
+          </p:style>
+          <p:txBody>
+            <a:bodyPr lIns="90000" rtlCol="0" anchor="ctr"/>
+            <a:lstStyle/>
+            <a:p>
+              <a:r>
+                <a:rPr lang="en-IR" dirty="0"/>
+                <a:t>   </a:t>
+              </a:r>
+              <a:endParaRPr lang="en-IR" dirty="0">
+                <a:latin typeface="X Davat" panose="02000400000000000000" pitchFamily="2" charset="-78"/>
+                <a:cs typeface="X Davat" panose="02000400000000000000" pitchFamily="2" charset="-78"/>
+              </a:endParaRPr>
+            </a:p>
+          </p:txBody>
+        </p:sp>
+      </p:grpSp>
+    </p:spTree>
+    <p:extLst>
+      <p:ext uri="{BB962C8B-B14F-4D97-AF65-F5344CB8AC3E}">
+        <p14:creationId xmlns:p14="http://schemas.microsoft.com/office/powerpoint/2010/main" val="3202011405"/>
+      </p:ext>
+    </p:extLst>
+  </p:cSld>
+  <p:clrMapOvr>
+    <a:masterClrMapping/>
+  </p:clrMapOvr>
+</p:sld>
+</file>
+
+<file path=ppt/slides/slide2.xml><?xml version="1.0" encoding="utf-8"?>
+<p:sld xmlns:a="http://schemas.openxmlformats.org/drawingml/2006/main" xmlns:r="http://schemas.openxmlformats.org/officeDocument/2006/relationships" xmlns:p="http://schemas.openxmlformats.org/presentationml/2006/main">
+  <p:cSld>
+    <p:spTree>
+      <p:nvGrpSpPr>
+        <p:cNvPr id="1" name=""/>
+        <p:cNvGrpSpPr/>
+        <p:nvPr/>
+      </p:nvGrpSpPr>
+      <p:grpSpPr>
+        <a:xfrm>
+          <a:off x="0" y="0"/>
+          <a:ext cx="0" cy="0"/>
+          <a:chOff x="0" y="0"/>
+          <a:chExt cx="0" cy="0"/>
+        </a:xfrm>
+      </p:grpSpPr>
+      <p:sp>
+        <p:nvSpPr>
           <p:cNvPr id="4" name="Rounded Rectangle 3">
             <a:extLst>
               <a:ext uri="{FF2B5EF4-FFF2-40B4-BE49-F238E27FC236}">
@@ -5688,7 +6928,7 @@
         </p:nvSpPr>
         <p:spPr>
           <a:xfrm>
-            <a:off x="7804074" y="1130196"/>
+            <a:off x="7804074" y="1941185"/>
             <a:ext cx="195375" cy="187459"/>
           </a:xfrm>
           <a:prstGeom prst="ellipse">
@@ -5854,8 +7094,8 @@
         </p:nvCxnSpPr>
         <p:spPr>
           <a:xfrm>
-            <a:off x="7901762" y="1317655"/>
-            <a:ext cx="936" cy="1237071"/>
+            <a:off x="7901762" y="2128644"/>
+            <a:ext cx="936" cy="426082"/>
           </a:xfrm>
           <a:prstGeom prst="line">
             <a:avLst/>
@@ -6190,7 +7430,7 @@
         </p:nvSpPr>
         <p:spPr>
           <a:xfrm>
-            <a:off x="116905" y="568517"/>
+            <a:off x="130554" y="217116"/>
             <a:ext cx="2019213" cy="1077218"/>
           </a:xfrm>
           <a:prstGeom prst="rect">
@@ -6297,7 +7537,7 @@
         </p:nvSpPr>
         <p:spPr>
           <a:xfrm>
-            <a:off x="7983772" y="1036034"/>
+            <a:off x="7983772" y="433870"/>
             <a:ext cx="774466" cy="307777"/>
           </a:xfrm>
           <a:prstGeom prst="rect">
@@ -6571,7 +7811,7 @@
                 <a:ea typeface="Tamil Sangam MN" pitchFamily="2" charset="0"/>
                 <a:cs typeface="Tamil Sangam MN" pitchFamily="2" charset="0"/>
               </a:rPr>
-              <a:t>Algorithm Design</a:t>
+              <a:t>Operation System</a:t>
             </a:r>
           </a:p>
           <a:p>
@@ -6581,7 +7821,7 @@
                 <a:ea typeface="Tamil Sangam MN" pitchFamily="2" charset="0"/>
                 <a:cs typeface="Tamil Sangam MN" pitchFamily="2" charset="0"/>
               </a:rPr>
-              <a:t>Operation System</a:t>
+              <a:t>Algorithm Design</a:t>
             </a:r>
           </a:p>
           <a:p>
@@ -7282,7 +8522,7 @@
                 <a:ea typeface="Tamil Sangam MN" pitchFamily="2" charset="0"/>
                 <a:cs typeface="Tamil Sangam MN" pitchFamily="2" charset="0"/>
               </a:rPr>
-              <a:t>Wireless Networking</a:t>
+              <a:t>Software-Defined Networks</a:t>
             </a:r>
           </a:p>
           <a:p>
@@ -7664,7 +8904,7 @@
         </p:nvSpPr>
         <p:spPr>
           <a:xfrm>
-            <a:off x="7993632" y="1306963"/>
+            <a:off x="7993632" y="704799"/>
             <a:ext cx="3498298" cy="523220"/>
           </a:xfrm>
           <a:prstGeom prst="rect">
@@ -7719,7 +8959,7 @@
         </p:nvSpPr>
         <p:spPr>
           <a:xfrm>
-            <a:off x="7968781" y="2489024"/>
+            <a:off x="7968781" y="1886860"/>
             <a:ext cx="697820" cy="307777"/>
           </a:xfrm>
           <a:prstGeom prst="rect">
@@ -7759,7 +8999,7 @@
         </p:nvSpPr>
         <p:spPr>
           <a:xfrm>
-            <a:off x="7964553" y="2737840"/>
+            <a:off x="7964553" y="2135676"/>
             <a:ext cx="3527376" cy="276999"/>
           </a:xfrm>
           <a:prstGeom prst="rect">
@@ -7822,7 +9062,7 @@
         </p:nvSpPr>
         <p:spPr>
           <a:xfrm>
-            <a:off x="8015864" y="1797561"/>
+            <a:off x="8015864" y="1195397"/>
             <a:ext cx="3318794" cy="646331"/>
           </a:xfrm>
           <a:prstGeom prst="rect">
@@ -8172,7 +9412,7 @@
         </p:nvGrpSpPr>
         <p:grpSpPr>
           <a:xfrm>
-            <a:off x="170178" y="1084038"/>
+            <a:off x="183827" y="732637"/>
             <a:ext cx="1861814" cy="72010"/>
             <a:chOff x="170178" y="1084038"/>
             <a:chExt cx="1861814" cy="72010"/>
@@ -8670,7 +9910,7 @@
         <p:spPr>
           <a:xfrm flipH="1">
             <a:off x="7901762" y="676160"/>
-            <a:ext cx="3552" cy="454036"/>
+            <a:ext cx="3552" cy="1265025"/>
           </a:xfrm>
           <a:prstGeom prst="line">
             <a:avLst/>
@@ -8698,10 +9938,10 @@
       </p:cxnSp>
       <p:sp>
         <p:nvSpPr>
-          <p:cNvPr id="107" name="TextBox 106">
+          <p:cNvPr id="114" name="TextBox 113">
             <a:extLst>
               <a:ext uri="{FF2B5EF4-FFF2-40B4-BE49-F238E27FC236}">
-                <a16:creationId xmlns:a16="http://schemas.microsoft.com/office/drawing/2014/main" id="{55B80F81-0D70-B74C-8B92-69A466355102}"/>
+                <a16:creationId xmlns:a16="http://schemas.microsoft.com/office/drawing/2014/main" id="{ADB1C16C-81AC-344C-8540-8E0EFDE00E30}"/>
               </a:ext>
             </a:extLst>
           </p:cNvPr>
@@ -8710,7 +9950,7 @@
         </p:nvSpPr>
         <p:spPr>
           <a:xfrm>
-            <a:off x="7993631" y="430986"/>
+            <a:off x="7974912" y="2511164"/>
             <a:ext cx="1692515" cy="307777"/>
           </a:xfrm>
           <a:prstGeom prst="rect">
@@ -8738,10 +9978,10 @@
       </p:sp>
       <p:sp>
         <p:nvSpPr>
-          <p:cNvPr id="111" name="TextBox 110">
+          <p:cNvPr id="115" name="TextBox 114">
             <a:extLst>
               <a:ext uri="{FF2B5EF4-FFF2-40B4-BE49-F238E27FC236}">
-                <a16:creationId xmlns:a16="http://schemas.microsoft.com/office/drawing/2014/main" id="{FD46205B-0A15-4A40-BE65-20A351F0A09D}"/>
+                <a16:creationId xmlns:a16="http://schemas.microsoft.com/office/drawing/2014/main" id="{29ED024F-F9C1-114E-9831-DD1639055163}"/>
               </a:ext>
             </a:extLst>
           </p:cNvPr>
@@ -8750,7 +9990,7 @@
         </p:nvSpPr>
         <p:spPr>
           <a:xfrm>
-            <a:off x="8003101" y="670148"/>
+            <a:off x="7984382" y="2750326"/>
             <a:ext cx="3808897" cy="307777"/>
           </a:xfrm>
           <a:prstGeom prst="rect">
